--- a/SIFT08.pptx
+++ b/SIFT08.pptx
@@ -367,7 +367,7 @@
           <a:p>
             <a:fld id="{A8B4590A-9211-4E0A-8DF3-A57B74670615}" type="datetimeFigureOut">
               <a:rPr lang="zh-TW" altLang="en-US" smtClean="0"/>
-              <a:t>2017/10/18</a:t>
+              <a:t>2017/10/24</a:t>
             </a:fld>
             <a:endParaRPr lang="zh-TW" altLang="en-US"/>
           </a:p>
@@ -5845,7 +5845,7 @@
             <a:fld id="{3E2D0238-52A9-4714-AC8A-6C69B452A80F}" type="datetimeFigureOut">
               <a:rPr lang="zh-TW" altLang="en-US" smtClean="0"/>
               <a:pPr/>
-              <a:t>2017/10/18</a:t>
+              <a:t>2017/10/24</a:t>
             </a:fld>
             <a:endParaRPr lang="zh-TW" altLang="en-US"/>
           </a:p>
@@ -6043,7 +6043,7 @@
             <a:fld id="{3E2D0238-52A9-4714-AC8A-6C69B452A80F}" type="datetimeFigureOut">
               <a:rPr lang="zh-TW" altLang="en-US" smtClean="0"/>
               <a:pPr/>
-              <a:t>2017/10/18</a:t>
+              <a:t>2017/10/24</a:t>
             </a:fld>
             <a:endParaRPr lang="zh-TW" altLang="en-US"/>
           </a:p>
@@ -6230,7 +6230,7 @@
             <a:fld id="{3E2D0238-52A9-4714-AC8A-6C69B452A80F}" type="datetimeFigureOut">
               <a:rPr lang="zh-TW" altLang="en-US" smtClean="0"/>
               <a:pPr/>
-              <a:t>2017/10/18</a:t>
+              <a:t>2017/10/24</a:t>
             </a:fld>
             <a:endParaRPr lang="zh-TW" altLang="en-US"/>
           </a:p>
@@ -6382,7 +6382,7 @@
             <a:fld id="{3E2D0238-52A9-4714-AC8A-6C69B452A80F}" type="datetimeFigureOut">
               <a:rPr lang="zh-TW" altLang="en-US" smtClean="0"/>
               <a:pPr/>
-              <a:t>2017/10/18</a:t>
+              <a:t>2017/10/24</a:t>
             </a:fld>
             <a:endParaRPr lang="zh-TW" altLang="en-US"/>
           </a:p>
@@ -6639,7 +6639,7 @@
             <a:fld id="{3E2D0238-52A9-4714-AC8A-6C69B452A80F}" type="datetimeFigureOut">
               <a:rPr lang="zh-TW" altLang="en-US" smtClean="0"/>
               <a:pPr/>
-              <a:t>2017/10/18</a:t>
+              <a:t>2017/10/24</a:t>
             </a:fld>
             <a:endParaRPr lang="zh-TW" altLang="en-US"/>
           </a:p>
@@ -7050,7 +7050,7 @@
             <a:fld id="{3E2D0238-52A9-4714-AC8A-6C69B452A80F}" type="datetimeFigureOut">
               <a:rPr lang="zh-TW" altLang="en-US" smtClean="0"/>
               <a:pPr/>
-              <a:t>2017/10/18</a:t>
+              <a:t>2017/10/24</a:t>
             </a:fld>
             <a:endParaRPr lang="zh-TW" altLang="en-US"/>
           </a:p>
@@ -7498,7 +7498,7 @@
             <a:fld id="{3E2D0238-52A9-4714-AC8A-6C69B452A80F}" type="datetimeFigureOut">
               <a:rPr lang="zh-TW" altLang="en-US" smtClean="0"/>
               <a:pPr/>
-              <a:t>2017/10/18</a:t>
+              <a:t>2017/10/24</a:t>
             </a:fld>
             <a:endParaRPr lang="zh-TW" altLang="en-US"/>
           </a:p>
@@ -7601,7 +7601,7 @@
             <a:fld id="{3E2D0238-52A9-4714-AC8A-6C69B452A80F}" type="datetimeFigureOut">
               <a:rPr lang="zh-TW" altLang="en-US" smtClean="0"/>
               <a:pPr/>
-              <a:t>2017/10/18</a:t>
+              <a:t>2017/10/24</a:t>
             </a:fld>
             <a:endParaRPr lang="zh-TW" altLang="en-US"/>
           </a:p>
@@ -7724,7 +7724,7 @@
             <a:fld id="{3E2D0238-52A9-4714-AC8A-6C69B452A80F}" type="datetimeFigureOut">
               <a:rPr lang="zh-TW" altLang="en-US" smtClean="0"/>
               <a:pPr/>
-              <a:t>2017/10/18</a:t>
+              <a:t>2017/10/24</a:t>
             </a:fld>
             <a:endParaRPr lang="zh-TW" altLang="en-US"/>
           </a:p>
@@ -8000,7 +8000,7 @@
             <a:fld id="{3E2D0238-52A9-4714-AC8A-6C69B452A80F}" type="datetimeFigureOut">
               <a:rPr lang="zh-TW" altLang="en-US" smtClean="0"/>
               <a:pPr/>
-              <a:t>2017/10/18</a:t>
+              <a:t>2017/10/24</a:t>
             </a:fld>
             <a:endParaRPr lang="zh-TW" altLang="en-US"/>
           </a:p>
@@ -8207,7 +8207,7 @@
             <a:fld id="{3E2D0238-52A9-4714-AC8A-6C69B452A80F}" type="datetimeFigureOut">
               <a:rPr lang="zh-TW" altLang="en-US" smtClean="0"/>
               <a:pPr/>
-              <a:t>2017/10/18</a:t>
+              <a:t>2017/10/24</a:t>
             </a:fld>
             <a:endParaRPr lang="zh-TW" altLang="en-US"/>
           </a:p>
@@ -9318,7 +9318,7 @@
             <a:fld id="{3E2D0238-52A9-4714-AC8A-6C69B452A80F}" type="datetimeFigureOut">
               <a:rPr lang="zh-TW" altLang="en-US" smtClean="0"/>
               <a:pPr/>
-              <a:t>2017/10/18</a:t>
+              <a:t>2017/10/24</a:t>
             </a:fld>
             <a:endParaRPr lang="zh-TW" altLang="en-US"/>
           </a:p>
